--- a/docs/visuals.pptx
+++ b/docs/visuals.pptx
@@ -7,7 +7,8 @@
   <p:sldIdLst>
     <p:sldId id="256" r:id="rId2"/>
     <p:sldId id="257" r:id="rId3"/>
-    <p:sldId id="258" r:id="rId4"/>
+    <p:sldId id="259" r:id="rId4"/>
+    <p:sldId id="258" r:id="rId5"/>
   </p:sldIdLst>
   <p:sldSz cx="12192000" cy="6858000"/>
   <p:notesSz cx="6858000" cy="9144000"/>
@@ -106,6 +107,11 @@
       </a:defRPr>
     </a:lvl9pPr>
   </p:defaultTextStyle>
+  <p:extLst>
+    <p:ext uri="{EFAFB233-063F-42B5-8137-9DF3F51BA10A}">
+      <p15:sldGuideLst xmlns:p15="http://schemas.microsoft.com/office/powerpoint/2012/main"/>
+    </p:ext>
+  </p:extLst>
 </p:presentation>
 </file>
 
@@ -258,7 +264,7 @@
           <a:p>
             <a:fld id="{5A572EEF-09E6-4AFF-9021-F95ECE6F83A9}" type="datetimeFigureOut">
               <a:rPr lang="en-GB" smtClean="0"/>
-              <a:t>20/02/2025</a:t>
+              <a:t>29/05/2025</a:t>
             </a:fld>
             <a:endParaRPr lang="en-GB"/>
           </a:p>
@@ -458,7 +464,7 @@
           <a:p>
             <a:fld id="{5A572EEF-09E6-4AFF-9021-F95ECE6F83A9}" type="datetimeFigureOut">
               <a:rPr lang="en-GB" smtClean="0"/>
-              <a:t>20/02/2025</a:t>
+              <a:t>29/05/2025</a:t>
             </a:fld>
             <a:endParaRPr lang="en-GB"/>
           </a:p>
@@ -668,7 +674,7 @@
           <a:p>
             <a:fld id="{5A572EEF-09E6-4AFF-9021-F95ECE6F83A9}" type="datetimeFigureOut">
               <a:rPr lang="en-GB" smtClean="0"/>
-              <a:t>20/02/2025</a:t>
+              <a:t>29/05/2025</a:t>
             </a:fld>
             <a:endParaRPr lang="en-GB"/>
           </a:p>
@@ -868,7 +874,7 @@
           <a:p>
             <a:fld id="{5A572EEF-09E6-4AFF-9021-F95ECE6F83A9}" type="datetimeFigureOut">
               <a:rPr lang="en-GB" smtClean="0"/>
-              <a:t>20/02/2025</a:t>
+              <a:t>29/05/2025</a:t>
             </a:fld>
             <a:endParaRPr lang="en-GB"/>
           </a:p>
@@ -1144,7 +1150,7 @@
           <a:p>
             <a:fld id="{5A572EEF-09E6-4AFF-9021-F95ECE6F83A9}" type="datetimeFigureOut">
               <a:rPr lang="en-GB" smtClean="0"/>
-              <a:t>20/02/2025</a:t>
+              <a:t>29/05/2025</a:t>
             </a:fld>
             <a:endParaRPr lang="en-GB"/>
           </a:p>
@@ -1412,7 +1418,7 @@
           <a:p>
             <a:fld id="{5A572EEF-09E6-4AFF-9021-F95ECE6F83A9}" type="datetimeFigureOut">
               <a:rPr lang="en-GB" smtClean="0"/>
-              <a:t>20/02/2025</a:t>
+              <a:t>29/05/2025</a:t>
             </a:fld>
             <a:endParaRPr lang="en-GB"/>
           </a:p>
@@ -1827,7 +1833,7 @@
           <a:p>
             <a:fld id="{5A572EEF-09E6-4AFF-9021-F95ECE6F83A9}" type="datetimeFigureOut">
               <a:rPr lang="en-GB" smtClean="0"/>
-              <a:t>20/02/2025</a:t>
+              <a:t>29/05/2025</a:t>
             </a:fld>
             <a:endParaRPr lang="en-GB"/>
           </a:p>
@@ -1969,7 +1975,7 @@
           <a:p>
             <a:fld id="{5A572EEF-09E6-4AFF-9021-F95ECE6F83A9}" type="datetimeFigureOut">
               <a:rPr lang="en-GB" smtClean="0"/>
-              <a:t>20/02/2025</a:t>
+              <a:t>29/05/2025</a:t>
             </a:fld>
             <a:endParaRPr lang="en-GB"/>
           </a:p>
@@ -2082,7 +2088,7 @@
           <a:p>
             <a:fld id="{5A572EEF-09E6-4AFF-9021-F95ECE6F83A9}" type="datetimeFigureOut">
               <a:rPr lang="en-GB" smtClean="0"/>
-              <a:t>20/02/2025</a:t>
+              <a:t>29/05/2025</a:t>
             </a:fld>
             <a:endParaRPr lang="en-GB"/>
           </a:p>
@@ -2395,7 +2401,7 @@
           <a:p>
             <a:fld id="{5A572EEF-09E6-4AFF-9021-F95ECE6F83A9}" type="datetimeFigureOut">
               <a:rPr lang="en-GB" smtClean="0"/>
-              <a:t>20/02/2025</a:t>
+              <a:t>29/05/2025</a:t>
             </a:fld>
             <a:endParaRPr lang="en-GB"/>
           </a:p>
@@ -2684,7 +2690,7 @@
           <a:p>
             <a:fld id="{5A572EEF-09E6-4AFF-9021-F95ECE6F83A9}" type="datetimeFigureOut">
               <a:rPr lang="en-GB" smtClean="0"/>
-              <a:t>20/02/2025</a:t>
+              <a:t>29/05/2025</a:t>
             </a:fld>
             <a:endParaRPr lang="en-GB"/>
           </a:p>
@@ -2927,7 +2933,7 @@
           <a:p>
             <a:fld id="{5A572EEF-09E6-4AFF-9021-F95ECE6F83A9}" type="datetimeFigureOut">
               <a:rPr lang="en-GB" smtClean="0"/>
-              <a:t>20/02/2025</a:t>
+              <a:t>29/05/2025</a:t>
             </a:fld>
             <a:endParaRPr lang="en-GB"/>
           </a:p>
@@ -4399,6 +4405,760 @@
 </file>
 
 <file path=ppt/slides/slide3.xml><?xml version="1.0" encoding="utf-8"?>
+<p:sld xmlns:a="http://schemas.openxmlformats.org/drawingml/2006/main" xmlns:r="http://schemas.openxmlformats.org/officeDocument/2006/relationships" xmlns:p="http://schemas.openxmlformats.org/presentationml/2006/main">
+  <p:cSld>
+    <p:spTree>
+      <p:nvGrpSpPr>
+        <p:cNvPr id="1" name="">
+          <a:extLst>
+            <a:ext uri="{FF2B5EF4-FFF2-40B4-BE49-F238E27FC236}">
+              <a16:creationId xmlns:a16="http://schemas.microsoft.com/office/drawing/2014/main" id="{A9B6139F-FEC5-363C-52C2-0E9FFC19080B}"/>
+            </a:ext>
+          </a:extLst>
+        </p:cNvPr>
+        <p:cNvGrpSpPr/>
+        <p:nvPr/>
+      </p:nvGrpSpPr>
+      <p:grpSpPr>
+        <a:xfrm>
+          <a:off x="0" y="0"/>
+          <a:ext cx="0" cy="0"/>
+          <a:chOff x="0" y="0"/>
+          <a:chExt cx="0" cy="0"/>
+        </a:xfrm>
+      </p:grpSpPr>
+      <p:cxnSp>
+        <p:nvCxnSpPr>
+          <p:cNvPr id="7" name="Straight Arrow Connector 6">
+            <a:extLst>
+              <a:ext uri="{FF2B5EF4-FFF2-40B4-BE49-F238E27FC236}">
+                <a16:creationId xmlns:a16="http://schemas.microsoft.com/office/drawing/2014/main" id="{BDE69BF6-6561-1CCF-C20D-6719F31068E7}"/>
+              </a:ext>
+            </a:extLst>
+          </p:cNvPr>
+          <p:cNvCxnSpPr>
+            <a:cxnSpLocks/>
+          </p:cNvCxnSpPr>
+          <p:nvPr/>
+        </p:nvCxnSpPr>
+        <p:spPr>
+          <a:xfrm>
+            <a:off x="2571750" y="1358900"/>
+            <a:ext cx="4845050" cy="4864100"/>
+          </a:xfrm>
+          <a:prstGeom prst="straightConnector1">
+            <a:avLst/>
+          </a:prstGeom>
+          <a:ln w="38100">
+            <a:solidFill>
+              <a:schemeClr val="tx1"/>
+            </a:solidFill>
+            <a:headEnd type="none" w="med" len="med"/>
+            <a:tailEnd type="triangle" w="med" len="med"/>
+          </a:ln>
+        </p:spPr>
+        <p:style>
+          <a:lnRef idx="2">
+            <a:schemeClr val="dk1"/>
+          </a:lnRef>
+          <a:fillRef idx="0">
+            <a:schemeClr val="dk1"/>
+          </a:fillRef>
+          <a:effectRef idx="1">
+            <a:schemeClr val="dk1"/>
+          </a:effectRef>
+          <a:fontRef idx="minor">
+            <a:schemeClr val="tx1"/>
+          </a:fontRef>
+        </p:style>
+      </p:cxnSp>
+      <p:sp>
+        <p:nvSpPr>
+          <p:cNvPr id="12" name="Oval 11">
+            <a:extLst>
+              <a:ext uri="{FF2B5EF4-FFF2-40B4-BE49-F238E27FC236}">
+                <a16:creationId xmlns:a16="http://schemas.microsoft.com/office/drawing/2014/main" id="{198B0055-3376-1315-3454-5A076C04BE14}"/>
+              </a:ext>
+            </a:extLst>
+          </p:cNvPr>
+          <p:cNvSpPr/>
+          <p:nvPr/>
+        </p:nvSpPr>
+        <p:spPr>
+          <a:xfrm>
+            <a:off x="2470150" y="1276350"/>
+            <a:ext cx="203200" cy="203200"/>
+          </a:xfrm>
+          <a:prstGeom prst="ellipse">
+            <a:avLst/>
+          </a:prstGeom>
+          <a:solidFill>
+            <a:schemeClr val="tx1"/>
+          </a:solidFill>
+          <a:ln>
+            <a:solidFill>
+              <a:srgbClr val="FFFFFF"/>
+            </a:solidFill>
+          </a:ln>
+        </p:spPr>
+        <p:style>
+          <a:lnRef idx="2">
+            <a:schemeClr val="accent1">
+              <a:shade val="15000"/>
+            </a:schemeClr>
+          </a:lnRef>
+          <a:fillRef idx="1">
+            <a:schemeClr val="accent1"/>
+          </a:fillRef>
+          <a:effectRef idx="0">
+            <a:schemeClr val="accent1"/>
+          </a:effectRef>
+          <a:fontRef idx="minor">
+            <a:schemeClr val="lt1"/>
+          </a:fontRef>
+        </p:style>
+        <p:txBody>
+          <a:bodyPr rtlCol="0" anchor="ctr"/>
+          <a:lstStyle/>
+          <a:p>
+            <a:pPr algn="ctr"/>
+            <a:endParaRPr lang="en-GB"/>
+          </a:p>
+        </p:txBody>
+      </p:sp>
+      <p:sp>
+        <p:nvSpPr>
+          <p:cNvPr id="13" name="Oval 12">
+            <a:extLst>
+              <a:ext uri="{FF2B5EF4-FFF2-40B4-BE49-F238E27FC236}">
+                <a16:creationId xmlns:a16="http://schemas.microsoft.com/office/drawing/2014/main" id="{50E875A7-C354-BA09-7B17-DE589C8A0D80}"/>
+              </a:ext>
+            </a:extLst>
+          </p:cNvPr>
+          <p:cNvSpPr/>
+          <p:nvPr/>
+        </p:nvSpPr>
+        <p:spPr>
+          <a:xfrm>
+            <a:off x="3111500" y="1898650"/>
+            <a:ext cx="203200" cy="203200"/>
+          </a:xfrm>
+          <a:prstGeom prst="ellipse">
+            <a:avLst/>
+          </a:prstGeom>
+          <a:solidFill>
+            <a:schemeClr val="tx1"/>
+          </a:solidFill>
+          <a:ln>
+            <a:solidFill>
+              <a:srgbClr val="FFFFFF"/>
+            </a:solidFill>
+          </a:ln>
+        </p:spPr>
+        <p:style>
+          <a:lnRef idx="2">
+            <a:schemeClr val="accent1">
+              <a:shade val="15000"/>
+            </a:schemeClr>
+          </a:lnRef>
+          <a:fillRef idx="1">
+            <a:schemeClr val="accent1"/>
+          </a:fillRef>
+          <a:effectRef idx="0">
+            <a:schemeClr val="accent1"/>
+          </a:effectRef>
+          <a:fontRef idx="minor">
+            <a:schemeClr val="lt1"/>
+          </a:fontRef>
+        </p:style>
+        <p:txBody>
+          <a:bodyPr rtlCol="0" anchor="ctr"/>
+          <a:lstStyle/>
+          <a:p>
+            <a:pPr algn="ctr"/>
+            <a:endParaRPr lang="en-GB"/>
+          </a:p>
+        </p:txBody>
+      </p:sp>
+      <p:sp>
+        <p:nvSpPr>
+          <p:cNvPr id="14" name="Oval 13">
+            <a:extLst>
+              <a:ext uri="{FF2B5EF4-FFF2-40B4-BE49-F238E27FC236}">
+                <a16:creationId xmlns:a16="http://schemas.microsoft.com/office/drawing/2014/main" id="{C0575538-DE88-5A6E-2B43-9AC0210A8628}"/>
+              </a:ext>
+            </a:extLst>
+          </p:cNvPr>
+          <p:cNvSpPr/>
+          <p:nvPr/>
+        </p:nvSpPr>
+        <p:spPr>
+          <a:xfrm>
+            <a:off x="3883025" y="2649100"/>
+            <a:ext cx="203200" cy="203200"/>
+          </a:xfrm>
+          <a:prstGeom prst="ellipse">
+            <a:avLst/>
+          </a:prstGeom>
+          <a:solidFill>
+            <a:schemeClr val="tx1"/>
+          </a:solidFill>
+          <a:ln>
+            <a:solidFill>
+              <a:srgbClr val="FFFFFF"/>
+            </a:solidFill>
+          </a:ln>
+        </p:spPr>
+        <p:style>
+          <a:lnRef idx="2">
+            <a:schemeClr val="accent1">
+              <a:shade val="15000"/>
+            </a:schemeClr>
+          </a:lnRef>
+          <a:fillRef idx="1">
+            <a:schemeClr val="accent1"/>
+          </a:fillRef>
+          <a:effectRef idx="0">
+            <a:schemeClr val="accent1"/>
+          </a:effectRef>
+          <a:fontRef idx="minor">
+            <a:schemeClr val="lt1"/>
+          </a:fontRef>
+        </p:style>
+        <p:txBody>
+          <a:bodyPr rtlCol="0" anchor="ctr"/>
+          <a:lstStyle/>
+          <a:p>
+            <a:pPr algn="ctr"/>
+            <a:endParaRPr lang="en-GB"/>
+          </a:p>
+        </p:txBody>
+      </p:sp>
+      <p:sp>
+        <p:nvSpPr>
+          <p:cNvPr id="15" name="Oval 14">
+            <a:extLst>
+              <a:ext uri="{FF2B5EF4-FFF2-40B4-BE49-F238E27FC236}">
+                <a16:creationId xmlns:a16="http://schemas.microsoft.com/office/drawing/2014/main" id="{93594DB5-6BDE-051C-ED5B-5B81A715C8FB}"/>
+              </a:ext>
+            </a:extLst>
+          </p:cNvPr>
+          <p:cNvSpPr/>
+          <p:nvPr/>
+        </p:nvSpPr>
+        <p:spPr>
+          <a:xfrm>
+            <a:off x="4200524" y="2959100"/>
+            <a:ext cx="203200" cy="203200"/>
+          </a:xfrm>
+          <a:prstGeom prst="ellipse">
+            <a:avLst/>
+          </a:prstGeom>
+          <a:solidFill>
+            <a:schemeClr val="tx1"/>
+          </a:solidFill>
+          <a:ln>
+            <a:solidFill>
+              <a:srgbClr val="FFFFFF"/>
+            </a:solidFill>
+          </a:ln>
+        </p:spPr>
+        <p:style>
+          <a:lnRef idx="2">
+            <a:schemeClr val="accent1">
+              <a:shade val="15000"/>
+            </a:schemeClr>
+          </a:lnRef>
+          <a:fillRef idx="1">
+            <a:schemeClr val="accent1"/>
+          </a:fillRef>
+          <a:effectRef idx="0">
+            <a:schemeClr val="accent1"/>
+          </a:effectRef>
+          <a:fontRef idx="minor">
+            <a:schemeClr val="lt1"/>
+          </a:fontRef>
+        </p:style>
+        <p:txBody>
+          <a:bodyPr rtlCol="0" anchor="ctr"/>
+          <a:lstStyle/>
+          <a:p>
+            <a:pPr algn="ctr"/>
+            <a:endParaRPr lang="en-GB"/>
+          </a:p>
+        </p:txBody>
+      </p:sp>
+      <p:sp>
+        <p:nvSpPr>
+          <p:cNvPr id="16" name="Oval 15">
+            <a:extLst>
+              <a:ext uri="{FF2B5EF4-FFF2-40B4-BE49-F238E27FC236}">
+                <a16:creationId xmlns:a16="http://schemas.microsoft.com/office/drawing/2014/main" id="{800036AA-0E69-009D-0A39-8040B393D2AA}"/>
+              </a:ext>
+            </a:extLst>
+          </p:cNvPr>
+          <p:cNvSpPr/>
+          <p:nvPr/>
+        </p:nvSpPr>
+        <p:spPr>
+          <a:xfrm>
+            <a:off x="4511675" y="3289300"/>
+            <a:ext cx="203200" cy="203200"/>
+          </a:xfrm>
+          <a:prstGeom prst="ellipse">
+            <a:avLst/>
+          </a:prstGeom>
+          <a:solidFill>
+            <a:schemeClr val="tx1"/>
+          </a:solidFill>
+          <a:ln>
+            <a:solidFill>
+              <a:srgbClr val="FFFFFF"/>
+            </a:solidFill>
+          </a:ln>
+        </p:spPr>
+        <p:style>
+          <a:lnRef idx="2">
+            <a:schemeClr val="accent1">
+              <a:shade val="15000"/>
+            </a:schemeClr>
+          </a:lnRef>
+          <a:fillRef idx="1">
+            <a:schemeClr val="accent1"/>
+          </a:fillRef>
+          <a:effectRef idx="0">
+            <a:schemeClr val="accent1"/>
+          </a:effectRef>
+          <a:fontRef idx="minor">
+            <a:schemeClr val="lt1"/>
+          </a:fontRef>
+        </p:style>
+        <p:txBody>
+          <a:bodyPr rtlCol="0" anchor="ctr"/>
+          <a:lstStyle/>
+          <a:p>
+            <a:pPr algn="ctr"/>
+            <a:endParaRPr lang="en-GB"/>
+          </a:p>
+        </p:txBody>
+      </p:sp>
+      <p:sp>
+        <p:nvSpPr>
+          <p:cNvPr id="17" name="Oval 16">
+            <a:extLst>
+              <a:ext uri="{FF2B5EF4-FFF2-40B4-BE49-F238E27FC236}">
+                <a16:creationId xmlns:a16="http://schemas.microsoft.com/office/drawing/2014/main" id="{2DC605F1-B6A1-6772-17DE-2C03A4D918F3}"/>
+              </a:ext>
+            </a:extLst>
+          </p:cNvPr>
+          <p:cNvSpPr/>
+          <p:nvPr/>
+        </p:nvSpPr>
+        <p:spPr>
+          <a:xfrm>
+            <a:off x="4879517" y="3665825"/>
+            <a:ext cx="203200" cy="203200"/>
+          </a:xfrm>
+          <a:prstGeom prst="ellipse">
+            <a:avLst/>
+          </a:prstGeom>
+          <a:solidFill>
+            <a:schemeClr val="tx1"/>
+          </a:solidFill>
+          <a:ln>
+            <a:solidFill>
+              <a:srgbClr val="FFFFFF"/>
+            </a:solidFill>
+          </a:ln>
+        </p:spPr>
+        <p:style>
+          <a:lnRef idx="2">
+            <a:schemeClr val="accent1">
+              <a:shade val="15000"/>
+            </a:schemeClr>
+          </a:lnRef>
+          <a:fillRef idx="1">
+            <a:schemeClr val="accent1"/>
+          </a:fillRef>
+          <a:effectRef idx="0">
+            <a:schemeClr val="accent1"/>
+          </a:effectRef>
+          <a:fontRef idx="minor">
+            <a:schemeClr val="lt1"/>
+          </a:fontRef>
+        </p:style>
+        <p:txBody>
+          <a:bodyPr rtlCol="0" anchor="ctr"/>
+          <a:lstStyle/>
+          <a:p>
+            <a:pPr algn="ctr"/>
+            <a:endParaRPr lang="en-GB"/>
+          </a:p>
+        </p:txBody>
+      </p:sp>
+      <p:pic>
+        <p:nvPicPr>
+          <p:cNvPr id="19" name="Picture 18">
+            <a:extLst>
+              <a:ext uri="{FF2B5EF4-FFF2-40B4-BE49-F238E27FC236}">
+                <a16:creationId xmlns:a16="http://schemas.microsoft.com/office/drawing/2014/main" id="{AA55A69F-9223-D325-35EA-9E6C3DC3ACE9}"/>
+              </a:ext>
+            </a:extLst>
+          </p:cNvPr>
+          <p:cNvPicPr>
+            <a:picLocks noChangeAspect="1"/>
+          </p:cNvPicPr>
+          <p:nvPr/>
+        </p:nvPicPr>
+        <p:blipFill>
+          <a:blip r:embed="rId2"/>
+          <a:stretch>
+            <a:fillRect/>
+          </a:stretch>
+        </p:blipFill>
+        <p:spPr>
+          <a:xfrm>
+            <a:off x="5410200" y="2053844"/>
+            <a:ext cx="1447800" cy="1235456"/>
+          </a:xfrm>
+          <a:prstGeom prst="rect">
+            <a:avLst/>
+          </a:prstGeom>
+        </p:spPr>
+      </p:pic>
+      <p:pic>
+        <p:nvPicPr>
+          <p:cNvPr id="21" name="Picture 20">
+            <a:extLst>
+              <a:ext uri="{FF2B5EF4-FFF2-40B4-BE49-F238E27FC236}">
+                <a16:creationId xmlns:a16="http://schemas.microsoft.com/office/drawing/2014/main" id="{8132BE3E-5D91-A307-D791-3D12BD9CD991}"/>
+              </a:ext>
+            </a:extLst>
+          </p:cNvPr>
+          <p:cNvPicPr>
+            <a:picLocks noChangeAspect="1"/>
+          </p:cNvPicPr>
+          <p:nvPr/>
+        </p:nvPicPr>
+        <p:blipFill>
+          <a:blip r:embed="rId3"/>
+          <a:stretch>
+            <a:fillRect/>
+          </a:stretch>
+        </p:blipFill>
+        <p:spPr>
+          <a:xfrm>
+            <a:off x="3487906" y="544410"/>
+            <a:ext cx="1628437" cy="1391800"/>
+          </a:xfrm>
+          <a:prstGeom prst="rect">
+            <a:avLst/>
+          </a:prstGeom>
+        </p:spPr>
+      </p:pic>
+      <p:pic>
+        <p:nvPicPr>
+          <p:cNvPr id="23" name="Picture 22">
+            <a:extLst>
+              <a:ext uri="{FF2B5EF4-FFF2-40B4-BE49-F238E27FC236}">
+                <a16:creationId xmlns:a16="http://schemas.microsoft.com/office/drawing/2014/main" id="{450BF0BE-1550-0986-FE73-F74552777E84}"/>
+              </a:ext>
+            </a:extLst>
+          </p:cNvPr>
+          <p:cNvPicPr>
+            <a:picLocks noChangeAspect="1"/>
+          </p:cNvPicPr>
+          <p:nvPr/>
+        </p:nvPicPr>
+        <p:blipFill>
+          <a:blip r:embed="rId4"/>
+          <a:stretch>
+            <a:fillRect/>
+          </a:stretch>
+        </p:blipFill>
+        <p:spPr>
+          <a:xfrm>
+            <a:off x="6540500" y="3682724"/>
+            <a:ext cx="1514312" cy="1281562"/>
+          </a:xfrm>
+          <a:prstGeom prst="rect">
+            <a:avLst/>
+          </a:prstGeom>
+        </p:spPr>
+      </p:pic>
+      <p:cxnSp>
+        <p:nvCxnSpPr>
+          <p:cNvPr id="25" name="Straight Arrow Connector 24">
+            <a:extLst>
+              <a:ext uri="{FF2B5EF4-FFF2-40B4-BE49-F238E27FC236}">
+                <a16:creationId xmlns:a16="http://schemas.microsoft.com/office/drawing/2014/main" id="{ED993F16-56AD-0BCB-DB7F-DE10FDA437CC}"/>
+              </a:ext>
+            </a:extLst>
+          </p:cNvPr>
+          <p:cNvCxnSpPr>
+            <a:cxnSpLocks/>
+            <a:stCxn id="21" idx="1"/>
+            <a:endCxn id="13" idx="0"/>
+          </p:cNvCxnSpPr>
+          <p:nvPr/>
+        </p:nvCxnSpPr>
+        <p:spPr>
+          <a:xfrm flipH="1">
+            <a:off x="3213100" y="1240310"/>
+            <a:ext cx="274806" cy="658340"/>
+          </a:xfrm>
+          <a:prstGeom prst="straightConnector1">
+            <a:avLst/>
+          </a:prstGeom>
+          <a:ln w="28575">
+            <a:solidFill>
+              <a:schemeClr val="tx1"/>
+            </a:solidFill>
+            <a:tailEnd type="triangle"/>
+          </a:ln>
+        </p:spPr>
+        <p:style>
+          <a:lnRef idx="2">
+            <a:schemeClr val="accent1"/>
+          </a:lnRef>
+          <a:fillRef idx="0">
+            <a:schemeClr val="accent1"/>
+          </a:fillRef>
+          <a:effectRef idx="1">
+            <a:schemeClr val="accent1"/>
+          </a:effectRef>
+          <a:fontRef idx="minor">
+            <a:schemeClr val="tx1"/>
+          </a:fontRef>
+        </p:style>
+      </p:cxnSp>
+      <p:cxnSp>
+        <p:nvCxnSpPr>
+          <p:cNvPr id="30" name="Straight Arrow Connector 29">
+            <a:extLst>
+              <a:ext uri="{FF2B5EF4-FFF2-40B4-BE49-F238E27FC236}">
+                <a16:creationId xmlns:a16="http://schemas.microsoft.com/office/drawing/2014/main" id="{002C1049-4DE3-A3EF-F628-799EEA057099}"/>
+              </a:ext>
+            </a:extLst>
+          </p:cNvPr>
+          <p:cNvCxnSpPr>
+            <a:cxnSpLocks/>
+            <a:stCxn id="19" idx="1"/>
+          </p:cNvCxnSpPr>
+          <p:nvPr/>
+        </p:nvCxnSpPr>
+        <p:spPr>
+          <a:xfrm flipH="1">
+            <a:off x="4994275" y="2671572"/>
+            <a:ext cx="415925" cy="1078863"/>
+          </a:xfrm>
+          <a:prstGeom prst="straightConnector1">
+            <a:avLst/>
+          </a:prstGeom>
+          <a:ln w="28575">
+            <a:solidFill>
+              <a:schemeClr val="tx1"/>
+            </a:solidFill>
+            <a:tailEnd type="triangle"/>
+          </a:ln>
+        </p:spPr>
+        <p:style>
+          <a:lnRef idx="2">
+            <a:schemeClr val="accent1"/>
+          </a:lnRef>
+          <a:fillRef idx="0">
+            <a:schemeClr val="accent1"/>
+          </a:fillRef>
+          <a:effectRef idx="1">
+            <a:schemeClr val="accent1"/>
+          </a:effectRef>
+          <a:fontRef idx="minor">
+            <a:schemeClr val="tx1"/>
+          </a:fontRef>
+        </p:style>
+      </p:cxnSp>
+      <p:cxnSp>
+        <p:nvCxnSpPr>
+          <p:cNvPr id="33" name="Straight Arrow Connector 32">
+            <a:extLst>
+              <a:ext uri="{FF2B5EF4-FFF2-40B4-BE49-F238E27FC236}">
+                <a16:creationId xmlns:a16="http://schemas.microsoft.com/office/drawing/2014/main" id="{8CC0F0B4-3587-F100-4800-E2FC3F0A95A4}"/>
+              </a:ext>
+            </a:extLst>
+          </p:cNvPr>
+          <p:cNvCxnSpPr>
+            <a:cxnSpLocks/>
+          </p:cNvCxnSpPr>
+          <p:nvPr/>
+        </p:nvCxnSpPr>
+        <p:spPr>
+          <a:xfrm flipH="1">
+            <a:off x="6762750" y="4964286"/>
+            <a:ext cx="534906" cy="484014"/>
+          </a:xfrm>
+          <a:prstGeom prst="straightConnector1">
+            <a:avLst/>
+          </a:prstGeom>
+          <a:ln w="28575">
+            <a:solidFill>
+              <a:schemeClr val="tx1"/>
+            </a:solidFill>
+            <a:tailEnd type="triangle"/>
+          </a:ln>
+        </p:spPr>
+        <p:style>
+          <a:lnRef idx="2">
+            <a:schemeClr val="accent1"/>
+          </a:lnRef>
+          <a:fillRef idx="0">
+            <a:schemeClr val="accent1"/>
+          </a:fillRef>
+          <a:effectRef idx="1">
+            <a:schemeClr val="accent1"/>
+          </a:effectRef>
+          <a:fontRef idx="minor">
+            <a:schemeClr val="tx1"/>
+          </a:fontRef>
+        </p:style>
+      </p:cxnSp>
+      <p:sp>
+        <p:nvSpPr>
+          <p:cNvPr id="36" name="TextBox 35">
+            <a:extLst>
+              <a:ext uri="{FF2B5EF4-FFF2-40B4-BE49-F238E27FC236}">
+                <a16:creationId xmlns:a16="http://schemas.microsoft.com/office/drawing/2014/main" id="{4D22A704-A99E-C810-8E7E-049DB036A55D}"/>
+              </a:ext>
+            </a:extLst>
+          </p:cNvPr>
+          <p:cNvSpPr txBox="1"/>
+          <p:nvPr/>
+        </p:nvSpPr>
+        <p:spPr>
+          <a:xfrm rot="2700000">
+            <a:off x="2405814" y="1867456"/>
+            <a:ext cx="995785" cy="369332"/>
+          </a:xfrm>
+          <a:prstGeom prst="rect">
+            <a:avLst/>
+          </a:prstGeom>
+          <a:noFill/>
+        </p:spPr>
+        <p:txBody>
+          <a:bodyPr wrap="none" rtlCol="0">
+            <a:spAutoFit/>
+          </a:bodyPr>
+          <a:lstStyle/>
+          <a:p>
+            <a:r>
+              <a:rPr lang="en-GB" dirty="0"/>
+              <a:t>Planting</a:t>
+            </a:r>
+          </a:p>
+        </p:txBody>
+      </p:sp>
+      <p:sp>
+        <p:nvSpPr>
+          <p:cNvPr id="37" name="TextBox 36">
+            <a:extLst>
+              <a:ext uri="{FF2B5EF4-FFF2-40B4-BE49-F238E27FC236}">
+                <a16:creationId xmlns:a16="http://schemas.microsoft.com/office/drawing/2014/main" id="{0F85F456-2420-97C0-EECA-4D7B8710D058}"/>
+              </a:ext>
+            </a:extLst>
+          </p:cNvPr>
+          <p:cNvSpPr txBox="1"/>
+          <p:nvPr/>
+        </p:nvSpPr>
+        <p:spPr>
+          <a:xfrm rot="2700000">
+            <a:off x="4450195" y="3896633"/>
+            <a:ext cx="1003352" cy="369332"/>
+          </a:xfrm>
+          <a:prstGeom prst="rect">
+            <a:avLst/>
+          </a:prstGeom>
+          <a:noFill/>
+        </p:spPr>
+        <p:txBody>
+          <a:bodyPr wrap="none" rtlCol="0">
+            <a:spAutoFit/>
+          </a:bodyPr>
+          <a:lstStyle/>
+          <a:p>
+            <a:r>
+              <a:rPr lang="en-GB" dirty="0"/>
+              <a:t>Maturity</a:t>
+            </a:r>
+          </a:p>
+        </p:txBody>
+      </p:sp>
+      <p:sp>
+        <p:nvSpPr>
+          <p:cNvPr id="38" name="Arrow: Up 37">
+            <a:extLst>
+              <a:ext uri="{FF2B5EF4-FFF2-40B4-BE49-F238E27FC236}">
+                <a16:creationId xmlns:a16="http://schemas.microsoft.com/office/drawing/2014/main" id="{A7B7AB3B-A8E7-280E-3F9D-1D69333BDE87}"/>
+              </a:ext>
+            </a:extLst>
+          </p:cNvPr>
+          <p:cNvSpPr/>
+          <p:nvPr/>
+        </p:nvSpPr>
+        <p:spPr>
+          <a:xfrm rot="8100000">
+            <a:off x="3744635" y="2258470"/>
+            <a:ext cx="368612" cy="1750613"/>
+          </a:xfrm>
+          <a:prstGeom prst="upArrow">
+            <a:avLst/>
+          </a:prstGeom>
+          <a:solidFill>
+            <a:schemeClr val="tx1"/>
+          </a:solidFill>
+          <a:ln>
+            <a:solidFill>
+              <a:schemeClr val="bg1"/>
+            </a:solidFill>
+          </a:ln>
+        </p:spPr>
+        <p:style>
+          <a:lnRef idx="2">
+            <a:schemeClr val="accent1">
+              <a:shade val="15000"/>
+            </a:schemeClr>
+          </a:lnRef>
+          <a:fillRef idx="1">
+            <a:schemeClr val="accent1"/>
+          </a:fillRef>
+          <a:effectRef idx="0">
+            <a:schemeClr val="accent1"/>
+          </a:effectRef>
+          <a:fontRef idx="minor">
+            <a:schemeClr val="lt1"/>
+          </a:fontRef>
+        </p:style>
+        <p:txBody>
+          <a:bodyPr rtlCol="0" anchor="ctr"/>
+          <a:lstStyle/>
+          <a:p>
+            <a:pPr algn="ctr"/>
+            <a:endParaRPr lang="en-GB"/>
+          </a:p>
+        </p:txBody>
+      </p:sp>
+    </p:spTree>
+    <p:extLst>
+      <p:ext uri="{BB962C8B-B14F-4D97-AF65-F5344CB8AC3E}">
+        <p14:creationId xmlns:p14="http://schemas.microsoft.com/office/powerpoint/2010/main" val="1972501199"/>
+      </p:ext>
+    </p:extLst>
+  </p:cSld>
+  <p:clrMapOvr>
+    <a:masterClrMapping/>
+  </p:clrMapOvr>
+</p:sld>
+</file>
+
+<file path=ppt/slides/slide4.xml><?xml version="1.0" encoding="utf-8"?>
 <p:sld xmlns:a="http://schemas.openxmlformats.org/drawingml/2006/main" xmlns:r="http://schemas.openxmlformats.org/officeDocument/2006/relationships" xmlns:p="http://schemas.openxmlformats.org/presentationml/2006/main">
   <p:cSld>
     <p:spTree>
